--- a/HackClub Final.pptx
+++ b/HackClub Final.pptx
@@ -26,7 +26,7 @@
       <p:regular r:id="rId12"/>
     </p:embeddedFont>
     <p:embeddedFont>
-      <p:font typeface="Inconsolata" pitchFamily="1" charset="0"/>
+      <p:font typeface="Inconsolata" panose="00000509000000000000" pitchFamily="49" charset="0"/>
       <p:regular r:id="rId13"/>
       <p:bold r:id="rId14"/>
     </p:embeddedFont>
@@ -265,12 +265,18 @@
       </a:defRPr>
     </a:lvl9pPr>
   </p:defaultTextStyle>
+  <p:extLst>
+    <p:ext uri="{EFAFB233-063F-42B5-8137-9DF3F51BA10A}">
+      <p15:sldGuideLst xmlns:p15="http://schemas.microsoft.com/office/powerpoint/2012/main"/>
+    </p:ext>
+  </p:extLst>
 </p:presentation>
 </file>
 
 <file path=ppt/revisionInfo.xml><?xml version="1.0" encoding="utf-8"?>
 <p1510:revInfo xmlns:a="http://schemas.openxmlformats.org/drawingml/2006/main" xmlns:r="http://schemas.openxmlformats.org/officeDocument/2006/relationships" xmlns:p1510="http://schemas.microsoft.com/office/powerpoint/2015/10/main">
   <p1510:revLst>
+    <p1510:client id="{525BCDC7-9322-4D4E-8F1D-6608A2E59CDB}" v="17" dt="2023-01-11T15:04:52.775"/>
     <p1510:client id="{995C13DD-F340-5905-2768-1E081AA40676}" v="1041" dt="2023-01-08T17:01:44.113"/>
   </p1510:revLst>
 </p1510:revInfo>
@@ -34233,10 +34239,10 @@
           <a:lstStyle/>
           <a:p>
             <a:r>
-              <a:rPr lang="en" dirty="0"/>
+              <a:rPr lang="en" sz="6600" dirty="0"/>
               <a:t>Hack Club Proposal</a:t>
             </a:r>
-            <a:endParaRPr lang="en-US" dirty="0"/>
+            <a:endParaRPr lang="en-US" sz="6600" dirty="0"/>
           </a:p>
         </p:txBody>
       </p:sp>
@@ -34683,10 +34689,10 @@
               <a:buNone/>
             </a:pPr>
             <a:r>
-              <a:rPr lang="en" dirty="0"/>
+              <a:rPr lang="en" sz="8800" dirty="0"/>
               <a:t>24,108</a:t>
             </a:r>
-            <a:endParaRPr lang="en-US" dirty="0"/>
+            <a:endParaRPr lang="en-US" sz="8800" dirty="0"/>
           </a:p>
         </p:txBody>
       </p:sp>
@@ -34919,10 +34925,10 @@
       </p:grpSpPr>
       <p:pic>
         <p:nvPicPr>
-          <p:cNvPr id="3" name="Picture 3">
+          <p:cNvPr id="4" name="Picture 3">
             <a:extLst>
               <a:ext uri="{FF2B5EF4-FFF2-40B4-BE49-F238E27FC236}">
-                <a16:creationId xmlns:a16="http://schemas.microsoft.com/office/drawing/2014/main" id="{175A4980-3BA9-2CBD-F657-A327DCFA5E21}"/>
+                <a16:creationId xmlns:a16="http://schemas.microsoft.com/office/drawing/2014/main" id="{BFD2FB4A-B3B5-1B9E-10C9-E50F55232031}"/>
               </a:ext>
             </a:extLst>
           </p:cNvPr>
@@ -34931,15 +34937,16 @@
           </p:cNvPicPr>
           <p:nvPr/>
         </p:nvPicPr>
-        <p:blipFill rotWithShape="1">
+        <p:blipFill>
           <a:blip r:embed="rId3"/>
-          <a:srcRect r="188" b="32628"/>
-          <a:stretch/>
+          <a:stretch>
+            <a:fillRect/>
+          </a:stretch>
         </p:blipFill>
         <p:spPr>
           <a:xfrm>
-            <a:off x="4951186" y="289379"/>
-            <a:ext cx="4196454" cy="3784010"/>
+            <a:off x="5068963" y="-189082"/>
+            <a:ext cx="5556158" cy="3704938"/>
           </a:xfrm>
           <a:prstGeom prst="rect">
             <a:avLst/>
@@ -35023,10 +35030,10 @@
               <a:buNone/>
             </a:pPr>
             <a:r>
-              <a:rPr lang="en" dirty="0"/>
+              <a:rPr lang="en" sz="9600" dirty="0"/>
               <a:t>400+</a:t>
             </a:r>
-            <a:endParaRPr lang="en-US" dirty="0"/>
+            <a:endParaRPr lang="en-US" sz="9600" dirty="0"/>
           </a:p>
         </p:txBody>
       </p:sp>
@@ -35335,8 +35342,8 @@
         </p:nvSpPr>
         <p:spPr>
           <a:xfrm>
-            <a:off x="716643" y="1451428"/>
-            <a:ext cx="7710259" cy="1569660"/>
+            <a:off x="713225" y="1110465"/>
+            <a:ext cx="7710259" cy="3416320"/>
           </a:xfrm>
           <a:prstGeom prst="rect">
             <a:avLst/>
@@ -35352,32 +35359,29 @@
           </a:bodyPr>
           <a:lstStyle/>
           <a:p>
+            <a:pPr algn="l"/>
             <a:r>
-              <a:rPr lang="en-US" sz="2400" dirty="0">
+              <a:rPr lang="en-US" sz="2400" b="0" i="0" dirty="0">
                 <a:solidFill>
-                  <a:srgbClr val="FFFFFF"/>
+                  <a:schemeClr val="bg2"/>
                 </a:solidFill>
-                <a:latin typeface="Play"/>
+                <a:effectLst/>
+                <a:latin typeface="Phantom Sans"/>
               </a:rPr>
-              <a:t>We at </a:t>
+              <a:t>Hack Club is a global nonprofit network of high school makers &amp; student-led coding clubs where young people build the agency, the network, &amp; the technical talent to think big &amp; do big things in the world. Founded in 2014 by 16-year-old Zach Latta, Hack Clubs are now in nearly 400 high schools with 10,000 students each year.</a:t>
             </a:r>
+          </a:p>
+          <a:p>
+            <a:pPr algn="l"/>
             <a:r>
-              <a:rPr lang="en-US" sz="2400" dirty="0" err="1">
+              <a:rPr lang="en-US" sz="2400" b="0" i="0" dirty="0">
                 <a:solidFill>
-                  <a:srgbClr val="FFFFFF"/>
+                  <a:schemeClr val="bg2"/>
                 </a:solidFill>
-                <a:latin typeface="Play"/>
+                <a:effectLst/>
+                <a:latin typeface="Phantom Sans"/>
               </a:rPr>
-              <a:t>HackClub</a:t>
-            </a:r>
-            <a:r>
-              <a:rPr lang="en-US" sz="2400" dirty="0">
-                <a:solidFill>
-                  <a:srgbClr val="FFFFFF"/>
-                </a:solidFill>
-                <a:latin typeface="Play"/>
-              </a:rPr>
-              <a:t> are 24,108 Teens and 400+ Clubs from around the world who code together to discover the joy of Coding and organize events , hackathons, after school coding clubs and more</a:t>
+              <a:t>Hack Club has been profiled on the TODAY Show, in the Wall Street Journal, and in many other publications around the country</a:t>
             </a:r>
           </a:p>
         </p:txBody>
@@ -35463,7 +35467,7 @@
         <p:spPr>
           <a:xfrm>
             <a:off x="834571" y="1324428"/>
-            <a:ext cx="8000999" cy="1169551"/>
+            <a:ext cx="8000999" cy="3046988"/>
           </a:xfrm>
           <a:prstGeom prst="rect">
             <a:avLst/>
@@ -35480,7 +35484,7 @@
           <a:lstStyle/>
           <a:p>
             <a:r>
-              <a:rPr lang="en-US" dirty="0">
+              <a:rPr lang="en-US" sz="2400" dirty="0">
                 <a:solidFill>
                   <a:schemeClr val="bg2"/>
                 </a:solidFill>
@@ -35490,7 +35494,7 @@
           </a:p>
           <a:p>
             <a:r>
-              <a:rPr lang="en-US" dirty="0">
+              <a:rPr lang="en-US" sz="2400" dirty="0">
                 <a:solidFill>
                   <a:schemeClr val="bg2"/>
                 </a:solidFill>
@@ -35572,8 +35576,8 @@
         </p:nvSpPr>
         <p:spPr>
           <a:xfrm>
-            <a:off x="716641" y="1260928"/>
-            <a:ext cx="7710715" cy="3539430"/>
+            <a:off x="716617" y="1011600"/>
+            <a:ext cx="7710715" cy="4278094"/>
           </a:xfrm>
           <a:prstGeom prst="rect">
             <a:avLst/>
@@ -35590,7 +35594,7 @@
           <a:lstStyle/>
           <a:p>
             <a:r>
-              <a:rPr lang="en-US" dirty="0">
+              <a:rPr lang="en-US" sz="1600" dirty="0">
                 <a:solidFill>
                   <a:schemeClr val="bg2"/>
                 </a:solidFill>
@@ -35600,7 +35604,7 @@
           </a:p>
           <a:p>
             <a:r>
-              <a:rPr lang="en-US" dirty="0">
+              <a:rPr lang="en-US" sz="1600" dirty="0">
                 <a:solidFill>
                   <a:schemeClr val="bg2"/>
                 </a:solidFill>
@@ -35608,7 +35612,7 @@
               <a:t>   </a:t>
             </a:r>
             <a:r>
-              <a:rPr lang="en-US" b="1" dirty="0">
+              <a:rPr lang="en-US" sz="1600" b="1" dirty="0">
                 <a:solidFill>
                   <a:schemeClr val="bg2"/>
                 </a:solidFill>
@@ -35616,7 +35620,7 @@
               <a:t>The goal of Hack Club is to help you become a hacker.</a:t>
             </a:r>
             <a:r>
-              <a:rPr lang="en-US" dirty="0">
+              <a:rPr lang="en-US" sz="1600" dirty="0">
                 <a:solidFill>
                   <a:schemeClr val="bg2"/>
                 </a:solidFill>
@@ -35626,14 +35630,14 @@
           </a:p>
           <a:p>
             <a:r>
-              <a:rPr lang="en-US" b="1" dirty="0">
+              <a:rPr lang="en-US" sz="1600" b="1" dirty="0">
                 <a:solidFill>
                   <a:schemeClr val="bg2"/>
                 </a:solidFill>
               </a:rPr>
               <a:t>Start building.:</a:t>
             </a:r>
-            <a:endParaRPr lang="en-US" dirty="0">
+            <a:endParaRPr lang="en-US" sz="1600" dirty="0">
               <a:solidFill>
                 <a:schemeClr val="bg2"/>
               </a:solidFill>
@@ -35641,7 +35645,7 @@
           </a:p>
           <a:p>
             <a:r>
-              <a:rPr lang="en-US" b="1" dirty="0">
+              <a:rPr lang="en-US" sz="1600" b="1" dirty="0">
                 <a:solidFill>
                   <a:schemeClr val="bg2"/>
                 </a:solidFill>
@@ -35649,14 +35653,14 @@
               <a:t>    </a:t>
             </a:r>
             <a:r>
-              <a:rPr lang="en-US" dirty="0">
+              <a:rPr lang="en-US" sz="1600" dirty="0">
                 <a:solidFill>
                   <a:schemeClr val="bg2"/>
                 </a:solidFill>
               </a:rPr>
               <a:t>Most coding classes teach you programming concepts instead of how to write real code—it’s like trying to learn carpentry without any wood. So at Hack Club, you learn to code entirely through building things. You start with no experience and build and ship a project every meeting.</a:t>
             </a:r>
-            <a:endParaRPr lang="en-US" b="1" dirty="0">
+            <a:endParaRPr lang="en-US" sz="1600" b="1" dirty="0">
               <a:solidFill>
                 <a:schemeClr val="bg2"/>
               </a:solidFill>
@@ -35664,14 +35668,14 @@
           </a:p>
           <a:p>
             <a:r>
-              <a:rPr lang="en-US" b="1" dirty="0">
+              <a:rPr lang="en-US" sz="1600" b="1" dirty="0">
                 <a:solidFill>
                   <a:schemeClr val="bg2"/>
                 </a:solidFill>
               </a:rPr>
               <a:t>Learn as you build.:</a:t>
             </a:r>
-            <a:endParaRPr lang="en-US" dirty="0">
+            <a:endParaRPr lang="en-US" sz="1600" dirty="0">
               <a:solidFill>
                 <a:schemeClr val="bg2"/>
               </a:solidFill>
@@ -35679,7 +35683,7 @@
           </a:p>
           <a:p>
             <a:r>
-              <a:rPr lang="en-US" b="1" dirty="0">
+              <a:rPr lang="en-US" sz="1600" b="1" dirty="0">
                 <a:solidFill>
                   <a:schemeClr val="bg2"/>
                 </a:solidFill>
@@ -35687,7 +35691,7 @@
               <a:t>    </a:t>
             </a:r>
             <a:r>
-              <a:rPr lang="en-US" dirty="0">
+              <a:rPr lang="en-US" sz="1600" dirty="0">
                 <a:solidFill>
                   <a:schemeClr val="bg2"/>
                 </a:solidFill>
@@ -35695,7 +35699,7 @@
               <a:t>Just as the best carpenters didn’t learn in the classroom, neither did the best programmers. Through our </a:t>
             </a:r>
             <a:r>
-              <a:rPr lang="en-US" u="sng" dirty="0">
+              <a:rPr lang="en-US" sz="1600" u="sng" dirty="0">
                 <a:solidFill>
                   <a:schemeClr val="bg2"/>
                 </a:solidFill>
@@ -35710,28 +35714,28 @@
               <a:t>workshops</a:t>
             </a:r>
             <a:r>
-              <a:rPr lang="en-US" dirty="0">
+              <a:rPr lang="en-US" sz="1600" dirty="0">
                 <a:solidFill>
                   <a:schemeClr val="bg2"/>
                 </a:solidFill>
               </a:rPr>
               <a:t>, you’ll be walked through building projects. Starting out, you won’t understand how the code works, but you’ll build understanding as you go. You’ll get stuck along the way, but we’re here to help.</a:t>
             </a:r>
-            <a:endParaRPr lang="en-US" b="1" dirty="0">
+            <a:endParaRPr lang="en-US" sz="1600" b="1" dirty="0">
               <a:solidFill>
                 <a:schemeClr val="bg2"/>
               </a:solidFill>
             </a:endParaRPr>
           </a:p>
           <a:p>
-            <a:endParaRPr lang="en-US" dirty="0">
+            <a:endParaRPr lang="en-US" sz="1600" dirty="0">
               <a:solidFill>
                 <a:schemeClr val="bg2"/>
               </a:solidFill>
             </a:endParaRPr>
           </a:p>
           <a:p>
-            <a:endParaRPr lang="en-US" dirty="0">
+            <a:endParaRPr lang="en-US" sz="1600" dirty="0">
               <a:solidFill>
                 <a:schemeClr val="bg2"/>
               </a:solidFill>
@@ -35816,7 +35820,7 @@
         <p:spPr>
           <a:xfrm>
             <a:off x="535213" y="1396999"/>
-            <a:ext cx="6903357" cy="738664"/>
+            <a:ext cx="6903357" cy="1938992"/>
           </a:xfrm>
           <a:prstGeom prst="rect">
             <a:avLst/>
@@ -35833,7 +35837,7 @@
           <a:lstStyle/>
           <a:p>
             <a:r>
-              <a:rPr lang="en-US" dirty="0">
+              <a:rPr lang="en-US" sz="2400" dirty="0">
                 <a:solidFill>
                   <a:schemeClr val="bg2"/>
                 </a:solidFill>
@@ -35843,7 +35847,7 @@
           </a:p>
           <a:p>
             <a:r>
-              <a:rPr lang="en-US" dirty="0">
+              <a:rPr lang="en-US" sz="2400" dirty="0">
                 <a:solidFill>
                   <a:schemeClr val="bg2"/>
                 </a:solidFill>

--- a/HackClub Final.pptx
+++ b/HackClub Final.pptx
@@ -26,7 +26,7 @@
       <p:regular r:id="rId12"/>
     </p:embeddedFont>
     <p:embeddedFont>
-      <p:font typeface="Inconsolata" panose="00000509000000000000" pitchFamily="49" charset="0"/>
+      <p:font typeface="Inconsolata" pitchFamily="1" charset="0"/>
       <p:regular r:id="rId13"/>
       <p:bold r:id="rId14"/>
     </p:embeddedFont>
@@ -278,6 +278,7 @@
   <p1510:revLst>
     <p1510:client id="{525BCDC7-9322-4D4E-8F1D-6608A2E59CDB}" v="17" dt="2023-01-11T15:04:52.775"/>
     <p1510:client id="{995C13DD-F340-5905-2768-1E081AA40676}" v="1041" dt="2023-01-08T17:01:44.113"/>
+    <p1510:client id="{C86E760E-2057-45DC-A298-D79E73912DA8}" v="8" dt="2023-01-11T15:17:40.962"/>
   </p1510:revLst>
 </p1510:revInfo>
 </file>
@@ -34340,7 +34341,7 @@
             <a:pPr marL="0" indent="0"/>
             <a:r>
               <a:rPr lang="en" dirty="0"/>
-              <a:t>We're programmers. Programmers are, in their hearts, architects, and the first thing they want to do when they get to a site is to bulldoze the place flat and build something grand. We're not excited by incremental renovation: tinkering, improving, planting flower beds.</a:t>
+              <a:t>"We're programmers. Programmers are, in their hearts, architects, and the first thing they want to do when they get to a site is to bulldoze the place flat and build something grand. We're not excited by incremental renovation: tinkering, improving, planting flower beds."</a:t>
             </a:r>
             <a:endParaRPr lang="en-US" dirty="0"/>
           </a:p>
